--- a/Exercise 4/E4.pptx
+++ b/Exercise 4/E4.pptx
@@ -7,6 +7,10 @@
   <p:sldIdLst>
     <p:sldId id="257" r:id="rId2"/>
     <p:sldId id="259" r:id="rId3"/>
+    <p:sldId id="260" r:id="rId4"/>
+    <p:sldId id="261" r:id="rId5"/>
+    <p:sldId id="262" r:id="rId6"/>
+    <p:sldId id="263" r:id="rId7"/>
   </p:sldIdLst>
   <p:sldSz cx="12192000" cy="6858000"/>
   <p:notesSz cx="6858000" cy="9144000"/>
@@ -3369,8 +3373,8 @@
         </p:nvSpPr>
         <p:spPr>
           <a:xfrm>
-            <a:off x="751288" y="5429250"/>
-            <a:ext cx="1385316" cy="523220"/>
+            <a:off x="9918834" y="1365284"/>
+            <a:ext cx="2271379" cy="4401205"/>
           </a:xfrm>
           <a:prstGeom prst="rect">
             <a:avLst/>
@@ -3378,16 +3382,15 @@
           <a:noFill/>
         </p:spPr>
         <p:txBody>
-          <a:bodyPr wrap="none" rtlCol="0">
+          <a:bodyPr wrap="square" rtlCol="0">
             <a:spAutoFit/>
           </a:bodyPr>
           <a:lstStyle/>
           <a:p>
             <a:r>
-              <a:rPr lang="en-GB" sz="2800" dirty="0" err="1"/>
-              <a:t>aaaaaaa</a:t>
-            </a:r>
-            <a:endParaRPr lang="en-GB" sz="2800" dirty="0"/>
+              <a:rPr lang="en-GB" sz="2800" dirty="0"/>
+              <a:t>For the 1N5817, the main difference lies in that it seems to have a way smaller forward voltage than 1N914.</a:t>
+            </a:r>
           </a:p>
         </p:txBody>
       </p:sp>
@@ -3419,38 +3422,8 @@
         </p:blipFill>
         <p:spPr>
           <a:xfrm>
-            <a:off x="657147" y="1341219"/>
+            <a:off x="252886" y="1380308"/>
             <a:ext cx="9665948" cy="4127430"/>
-          </a:xfrm>
-          <a:prstGeom prst="rect">
-            <a:avLst/>
-          </a:prstGeom>
-        </p:spPr>
-      </p:pic>
-      <p:pic>
-        <p:nvPicPr>
-          <p:cNvPr id="9" name="Picture 8">
-            <a:extLst>
-              <a:ext uri="{FF2B5EF4-FFF2-40B4-BE49-F238E27FC236}">
-                <a16:creationId xmlns:a16="http://schemas.microsoft.com/office/drawing/2014/main" id="{E82A49F4-2A42-1C09-1864-2FA492A4D046}"/>
-              </a:ext>
-            </a:extLst>
-          </p:cNvPr>
-          <p:cNvPicPr>
-            <a:picLocks noChangeAspect="1"/>
-          </p:cNvPicPr>
-          <p:nvPr/>
-        </p:nvPicPr>
-        <p:blipFill>
-          <a:blip r:embed="rId3"/>
-          <a:stretch>
-            <a:fillRect/>
-          </a:stretch>
-        </p:blipFill>
-        <p:spPr>
-          <a:xfrm>
-            <a:off x="1623388" y="3147973"/>
-            <a:ext cx="8945223" cy="562053"/>
           </a:xfrm>
           <a:prstGeom prst="rect">
             <a:avLst/>
@@ -3515,42 +3488,6 @@
           </a:p>
         </p:txBody>
       </p:sp>
-      <p:sp>
-        <p:nvSpPr>
-          <p:cNvPr id="6" name="TextBox 5">
-            <a:extLst>
-              <a:ext uri="{FF2B5EF4-FFF2-40B4-BE49-F238E27FC236}">
-                <a16:creationId xmlns:a16="http://schemas.microsoft.com/office/drawing/2014/main" id="{17DB51A7-4805-8B5D-E710-9A18CF7ADCE4}"/>
-              </a:ext>
-            </a:extLst>
-          </p:cNvPr>
-          <p:cNvSpPr txBox="1"/>
-          <p:nvPr/>
-        </p:nvSpPr>
-        <p:spPr>
-          <a:xfrm>
-            <a:off x="922738" y="5969655"/>
-            <a:ext cx="1130438" cy="523220"/>
-          </a:xfrm>
-          <a:prstGeom prst="rect">
-            <a:avLst/>
-          </a:prstGeom>
-          <a:noFill/>
-        </p:spPr>
-        <p:txBody>
-          <a:bodyPr wrap="none" rtlCol="0">
-            <a:spAutoFit/>
-          </a:bodyPr>
-          <a:lstStyle/>
-          <a:p>
-            <a:r>
-              <a:rPr lang="en-GB" sz="2800" dirty="0" err="1"/>
-              <a:t>bbbbb</a:t>
-            </a:r>
-            <a:endParaRPr lang="en-GB" sz="2800" b="0" dirty="0"/>
-          </a:p>
-        </p:txBody>
-      </p:sp>
       <p:pic>
         <p:nvPicPr>
           <p:cNvPr id="4" name="Picture 3">
@@ -3585,6 +3522,658 @@
     <p:extLst>
       <p:ext uri="{BB962C8B-B14F-4D97-AF65-F5344CB8AC3E}">
         <p14:creationId xmlns:p14="http://schemas.microsoft.com/office/powerpoint/2010/main" val="2630097322"/>
+      </p:ext>
+    </p:extLst>
+  </p:cSld>
+  <p:clrMapOvr>
+    <a:masterClrMapping/>
+  </p:clrMapOvr>
+</p:sld>
+</file>
+
+<file path=ppt/slides/slide3.xml><?xml version="1.0" encoding="utf-8"?>
+<p:sld xmlns:a="http://schemas.openxmlformats.org/drawingml/2006/main" xmlns:r="http://schemas.openxmlformats.org/officeDocument/2006/relationships" xmlns:p="http://schemas.openxmlformats.org/presentationml/2006/main">
+  <p:cSld>
+    <p:spTree>
+      <p:nvGrpSpPr>
+        <p:cNvPr id="1" name=""/>
+        <p:cNvGrpSpPr/>
+        <p:nvPr/>
+      </p:nvGrpSpPr>
+      <p:grpSpPr>
+        <a:xfrm>
+          <a:off x="0" y="0"/>
+          <a:ext cx="0" cy="0"/>
+          <a:chOff x="0" y="0"/>
+          <a:chExt cx="0" cy="0"/>
+        </a:xfrm>
+      </p:grpSpPr>
+      <p:sp>
+        <p:nvSpPr>
+          <p:cNvPr id="2" name="Title 1">
+            <a:extLst>
+              <a:ext uri="{FF2B5EF4-FFF2-40B4-BE49-F238E27FC236}">
+                <a16:creationId xmlns:a16="http://schemas.microsoft.com/office/drawing/2014/main" id="{E6C85857-DB1A-7FE5-55D3-7D47E9CF39F9}"/>
+              </a:ext>
+            </a:extLst>
+          </p:cNvPr>
+          <p:cNvSpPr>
+            <a:spLocks noGrp="1"/>
+          </p:cNvSpPr>
+          <p:nvPr>
+            <p:ph type="title"/>
+          </p:nvPr>
+        </p:nvSpPr>
+        <p:spPr/>
+        <p:txBody>
+          <a:bodyPr/>
+          <a:lstStyle/>
+          <a:p>
+            <a:r>
+              <a:rPr lang="en-GB" dirty="0"/>
+              <a:t>Exercise E4</a:t>
+            </a:r>
+          </a:p>
+        </p:txBody>
+      </p:sp>
+      <p:sp>
+        <p:nvSpPr>
+          <p:cNvPr id="3" name="Content Placeholder 2">
+            <a:extLst>
+              <a:ext uri="{FF2B5EF4-FFF2-40B4-BE49-F238E27FC236}">
+                <a16:creationId xmlns:a16="http://schemas.microsoft.com/office/drawing/2014/main" id="{E277A11E-48F9-9DD8-F423-1EBF45211D9C}"/>
+              </a:ext>
+            </a:extLst>
+          </p:cNvPr>
+          <p:cNvSpPr>
+            <a:spLocks noGrp="1"/>
+          </p:cNvSpPr>
+          <p:nvPr>
+            <p:ph idx="1"/>
+          </p:nvPr>
+        </p:nvSpPr>
+        <p:spPr/>
+        <p:txBody>
+          <a:bodyPr/>
+          <a:lstStyle/>
+          <a:p>
+            <a:r>
+              <a:rPr lang="en-GB" dirty="0">
+                <a:hlinkClick r:id="rId2"/>
+              </a:rPr>
+              <a:t>https://www.diodes.com/assets/Datasheets/1N5817-1N5819.pdf</a:t>
+            </a:r>
+            <a:endParaRPr lang="en-GB" dirty="0"/>
+          </a:p>
+          <a:p>
+            <a:endParaRPr lang="en-GB" dirty="0"/>
+          </a:p>
+          <a:p>
+            <a:r>
+              <a:rPr lang="en-GB" dirty="0"/>
+              <a:t>At 5V, with around 10mA max current, we cannot reproduce the results listed in the specification. However, given that the forward voltage seems to rise with the current, and that it’s 0.450V at I=1.0A, our prediction that the forward voltage is very small is correct.</a:t>
+            </a:r>
+          </a:p>
+          <a:p>
+            <a:r>
+              <a:rPr lang="en-GB" dirty="0"/>
+              <a:t>However if the model is changed to having a 0-50V voltage swipe and a 47 Ohms resistor, we can indeed reach I=1.0A.</a:t>
+            </a:r>
+          </a:p>
+        </p:txBody>
+      </p:sp>
+      <p:pic>
+        <p:nvPicPr>
+          <p:cNvPr id="5" name="Picture 4">
+            <a:extLst>
+              <a:ext uri="{FF2B5EF4-FFF2-40B4-BE49-F238E27FC236}">
+                <a16:creationId xmlns:a16="http://schemas.microsoft.com/office/drawing/2014/main" id="{F8CE7971-2BC8-9829-8E1E-F397B06BF0D9}"/>
+              </a:ext>
+            </a:extLst>
+          </p:cNvPr>
+          <p:cNvPicPr>
+            <a:picLocks noChangeAspect="1"/>
+          </p:cNvPicPr>
+          <p:nvPr/>
+        </p:nvPicPr>
+        <p:blipFill>
+          <a:blip r:embed="rId3"/>
+          <a:stretch>
+            <a:fillRect/>
+          </a:stretch>
+        </p:blipFill>
+        <p:spPr>
+          <a:xfrm>
+            <a:off x="2795127" y="2348383"/>
+            <a:ext cx="6601746" cy="428685"/>
+          </a:xfrm>
+          <a:prstGeom prst="rect">
+            <a:avLst/>
+          </a:prstGeom>
+        </p:spPr>
+      </p:pic>
+    </p:spTree>
+    <p:extLst>
+      <p:ext uri="{BB962C8B-B14F-4D97-AF65-F5344CB8AC3E}">
+        <p14:creationId xmlns:p14="http://schemas.microsoft.com/office/powerpoint/2010/main" val="800015702"/>
+      </p:ext>
+    </p:extLst>
+  </p:cSld>
+  <p:clrMapOvr>
+    <a:masterClrMapping/>
+  </p:clrMapOvr>
+</p:sld>
+</file>
+
+<file path=ppt/slides/slide4.xml><?xml version="1.0" encoding="utf-8"?>
+<p:sld xmlns:a="http://schemas.openxmlformats.org/drawingml/2006/main" xmlns:r="http://schemas.openxmlformats.org/officeDocument/2006/relationships" xmlns:p="http://schemas.openxmlformats.org/presentationml/2006/main">
+  <p:cSld>
+    <p:spTree>
+      <p:nvGrpSpPr>
+        <p:cNvPr id="1" name=""/>
+        <p:cNvGrpSpPr/>
+        <p:nvPr/>
+      </p:nvGrpSpPr>
+      <p:grpSpPr>
+        <a:xfrm>
+          <a:off x="0" y="0"/>
+          <a:ext cx="0" cy="0"/>
+          <a:chOff x="0" y="0"/>
+          <a:chExt cx="0" cy="0"/>
+        </a:xfrm>
+      </p:grpSpPr>
+      <p:sp>
+        <p:nvSpPr>
+          <p:cNvPr id="2" name="Title 1">
+            <a:extLst>
+              <a:ext uri="{FF2B5EF4-FFF2-40B4-BE49-F238E27FC236}">
+                <a16:creationId xmlns:a16="http://schemas.microsoft.com/office/drawing/2014/main" id="{D2978DCF-E5A7-7AAB-282E-ABAC9C4C2531}"/>
+              </a:ext>
+            </a:extLst>
+          </p:cNvPr>
+          <p:cNvSpPr>
+            <a:spLocks noGrp="1"/>
+          </p:cNvSpPr>
+          <p:nvPr>
+            <p:ph type="title"/>
+          </p:nvPr>
+        </p:nvSpPr>
+        <p:spPr/>
+        <p:txBody>
+          <a:bodyPr/>
+          <a:lstStyle/>
+          <a:p>
+            <a:r>
+              <a:rPr lang="en-GB" dirty="0"/>
+              <a:t>Exercise E4</a:t>
+            </a:r>
+          </a:p>
+        </p:txBody>
+      </p:sp>
+      <p:pic>
+        <p:nvPicPr>
+          <p:cNvPr id="5" name="Content Placeholder 4" descr="A screen shot of a graph&#10;&#10;Description automatically generated">
+            <a:extLst>
+              <a:ext uri="{FF2B5EF4-FFF2-40B4-BE49-F238E27FC236}">
+                <a16:creationId xmlns:a16="http://schemas.microsoft.com/office/drawing/2014/main" id="{D49A0D80-39A5-9632-DE27-642D21ACCA66}"/>
+              </a:ext>
+            </a:extLst>
+          </p:cNvPr>
+          <p:cNvPicPr>
+            <a:picLocks noGrp="1" noChangeAspect="1"/>
+          </p:cNvPicPr>
+          <p:nvPr>
+            <p:ph idx="1"/>
+          </p:nvPr>
+        </p:nvPicPr>
+        <p:blipFill>
+          <a:blip r:embed="rId2">
+            <a:extLst>
+              <a:ext uri="{28A0092B-C50C-407E-A947-70E740481C1C}">
+                <a14:useLocalDpi xmlns:a14="http://schemas.microsoft.com/office/drawing/2010/main" val="0"/>
+              </a:ext>
+            </a:extLst>
+          </a:blip>
+          <a:stretch>
+            <a:fillRect/>
+          </a:stretch>
+        </p:blipFill>
+        <p:spPr>
+          <a:xfrm>
+            <a:off x="982111" y="1825625"/>
+            <a:ext cx="10227777" cy="4351338"/>
+          </a:xfrm>
+        </p:spPr>
+      </p:pic>
+    </p:spTree>
+    <p:extLst>
+      <p:ext uri="{BB962C8B-B14F-4D97-AF65-F5344CB8AC3E}">
+        <p14:creationId xmlns:p14="http://schemas.microsoft.com/office/powerpoint/2010/main" val="1447084013"/>
+      </p:ext>
+    </p:extLst>
+  </p:cSld>
+  <p:clrMapOvr>
+    <a:masterClrMapping/>
+  </p:clrMapOvr>
+</p:sld>
+</file>
+
+<file path=ppt/slides/slide5.xml><?xml version="1.0" encoding="utf-8"?>
+<p:sld xmlns:a="http://schemas.openxmlformats.org/drawingml/2006/main" xmlns:r="http://schemas.openxmlformats.org/officeDocument/2006/relationships" xmlns:p="http://schemas.openxmlformats.org/presentationml/2006/main">
+  <p:cSld>
+    <p:spTree>
+      <p:nvGrpSpPr>
+        <p:cNvPr id="1" name=""/>
+        <p:cNvGrpSpPr/>
+        <p:nvPr/>
+      </p:nvGrpSpPr>
+      <p:grpSpPr>
+        <a:xfrm>
+          <a:off x="0" y="0"/>
+          <a:ext cx="0" cy="0"/>
+          <a:chOff x="0" y="0"/>
+          <a:chExt cx="0" cy="0"/>
+        </a:xfrm>
+      </p:grpSpPr>
+      <p:sp>
+        <p:nvSpPr>
+          <p:cNvPr id="2" name="Title 1">
+            <a:extLst>
+              <a:ext uri="{FF2B5EF4-FFF2-40B4-BE49-F238E27FC236}">
+                <a16:creationId xmlns:a16="http://schemas.microsoft.com/office/drawing/2014/main" id="{D2978DCF-E5A7-7AAB-282E-ABAC9C4C2531}"/>
+              </a:ext>
+            </a:extLst>
+          </p:cNvPr>
+          <p:cNvSpPr>
+            <a:spLocks noGrp="1"/>
+          </p:cNvSpPr>
+          <p:nvPr>
+            <p:ph type="title"/>
+          </p:nvPr>
+        </p:nvSpPr>
+        <p:spPr/>
+        <p:txBody>
+          <a:bodyPr/>
+          <a:lstStyle/>
+          <a:p>
+            <a:r>
+              <a:rPr lang="en-GB" dirty="0"/>
+              <a:t>Exercise E4</a:t>
+            </a:r>
+          </a:p>
+        </p:txBody>
+      </p:sp>
+      <p:pic>
+        <p:nvPicPr>
+          <p:cNvPr id="9" name="Content Placeholder 8" descr="A screen shot of a computer&#10;&#10;Description automatically generated">
+            <a:extLst>
+              <a:ext uri="{FF2B5EF4-FFF2-40B4-BE49-F238E27FC236}">
+                <a16:creationId xmlns:a16="http://schemas.microsoft.com/office/drawing/2014/main" id="{BAF81238-6A02-026C-41AE-2D144B6A43C5}"/>
+              </a:ext>
+            </a:extLst>
+          </p:cNvPr>
+          <p:cNvPicPr>
+            <a:picLocks noGrp="1" noChangeAspect="1"/>
+          </p:cNvPicPr>
+          <p:nvPr>
+            <p:ph idx="1"/>
+          </p:nvPr>
+        </p:nvPicPr>
+        <p:blipFill>
+          <a:blip r:embed="rId2">
+            <a:extLst>
+              <a:ext uri="{28A0092B-C50C-407E-A947-70E740481C1C}">
+                <a14:useLocalDpi xmlns:a14="http://schemas.microsoft.com/office/drawing/2010/main" val="0"/>
+              </a:ext>
+            </a:extLst>
+          </a:blip>
+          <a:stretch>
+            <a:fillRect/>
+          </a:stretch>
+        </p:blipFill>
+        <p:spPr>
+          <a:xfrm>
+            <a:off x="1019439" y="1825625"/>
+            <a:ext cx="10153122" cy="4351338"/>
+          </a:xfrm>
+        </p:spPr>
+      </p:pic>
+    </p:spTree>
+    <p:extLst>
+      <p:ext uri="{BB962C8B-B14F-4D97-AF65-F5344CB8AC3E}">
+        <p14:creationId xmlns:p14="http://schemas.microsoft.com/office/powerpoint/2010/main" val="4053217239"/>
+      </p:ext>
+    </p:extLst>
+  </p:cSld>
+  <p:clrMapOvr>
+    <a:masterClrMapping/>
+  </p:clrMapOvr>
+</p:sld>
+</file>
+
+<file path=ppt/slides/slide6.xml><?xml version="1.0" encoding="utf-8"?>
+<p:sld xmlns:a="http://schemas.openxmlformats.org/drawingml/2006/main" xmlns:r="http://schemas.openxmlformats.org/officeDocument/2006/relationships" xmlns:p="http://schemas.openxmlformats.org/presentationml/2006/main">
+  <p:cSld>
+    <p:spTree>
+      <p:nvGrpSpPr>
+        <p:cNvPr id="1" name=""/>
+        <p:cNvGrpSpPr/>
+        <p:nvPr/>
+      </p:nvGrpSpPr>
+      <p:grpSpPr>
+        <a:xfrm>
+          <a:off x="0" y="0"/>
+          <a:ext cx="0" cy="0"/>
+          <a:chOff x="0" y="0"/>
+          <a:chExt cx="0" cy="0"/>
+        </a:xfrm>
+      </p:grpSpPr>
+      <p:sp>
+        <p:nvSpPr>
+          <p:cNvPr id="2" name="Title 1">
+            <a:extLst>
+              <a:ext uri="{FF2B5EF4-FFF2-40B4-BE49-F238E27FC236}">
+                <a16:creationId xmlns:a16="http://schemas.microsoft.com/office/drawing/2014/main" id="{3ADDF0CD-6D33-4A12-8E13-72E5C6542A87}"/>
+              </a:ext>
+            </a:extLst>
+          </p:cNvPr>
+          <p:cNvSpPr>
+            <a:spLocks noGrp="1"/>
+          </p:cNvSpPr>
+          <p:nvPr>
+            <p:ph type="title"/>
+          </p:nvPr>
+        </p:nvSpPr>
+        <p:spPr/>
+        <p:txBody>
+          <a:bodyPr/>
+          <a:lstStyle/>
+          <a:p>
+            <a:r>
+              <a:rPr lang="en-GB"/>
+              <a:t>Exercise E4</a:t>
+            </a:r>
+          </a:p>
+        </p:txBody>
+      </p:sp>
+      <mc:AlternateContent xmlns:mc="http://schemas.openxmlformats.org/markup-compatibility/2006">
+        <mc:Choice xmlns:a14="http://schemas.microsoft.com/office/drawing/2010/main" Requires="a14">
+          <p:sp>
+            <p:nvSpPr>
+              <p:cNvPr id="3" name="Content Placeholder 2">
+                <a:extLst>
+                  <a:ext uri="{FF2B5EF4-FFF2-40B4-BE49-F238E27FC236}">
+                    <a16:creationId xmlns:a16="http://schemas.microsoft.com/office/drawing/2014/main" id="{0809A64F-D8A6-1D40-5183-0C7F9478F06F}"/>
+                  </a:ext>
+                </a:extLst>
+              </p:cNvPr>
+              <p:cNvSpPr>
+                <a:spLocks noGrp="1"/>
+              </p:cNvSpPr>
+              <p:nvPr>
+                <p:ph idx="1"/>
+              </p:nvPr>
+            </p:nvSpPr>
+            <p:spPr/>
+            <p:txBody>
+              <a:bodyPr/>
+              <a:lstStyle/>
+              <a:p>
+                <a14:m>
+                  <m:oMath xmlns:m="http://schemas.openxmlformats.org/officeDocument/2006/math">
+                    <m:f>
+                      <m:fPr>
+                        <m:ctrlPr>
+                          <a:rPr lang="en-GB" b="0" i="1" smtClean="0">
+                            <a:latin typeface="Cambria Math" panose="02040503050406030204" pitchFamily="18" charset="0"/>
+                          </a:rPr>
+                        </m:ctrlPr>
+                      </m:fPr>
+                      <m:num>
+                        <m:r>
+                          <a:rPr lang="en-GB" b="0" i="1" smtClean="0">
+                            <a:latin typeface="Cambria Math" panose="02040503050406030204" pitchFamily="18" charset="0"/>
+                          </a:rPr>
+                          <m:t>1</m:t>
+                        </m:r>
+                      </m:num>
+                      <m:den>
+                        <m:r>
+                          <a:rPr lang="en-GB" b="0" i="1" smtClean="0">
+                            <a:latin typeface="Cambria Math" panose="02040503050406030204" pitchFamily="18" charset="0"/>
+                          </a:rPr>
+                          <m:t>𝑅</m:t>
+                        </m:r>
+                      </m:den>
+                    </m:f>
+                    <m:r>
+                      <a:rPr lang="en-GB" b="0" i="1" smtClean="0">
+                        <a:latin typeface="Cambria Math" panose="02040503050406030204" pitchFamily="18" charset="0"/>
+                      </a:rPr>
+                      <m:t>=21.237</m:t>
+                    </m:r>
+                    <m:r>
+                      <a:rPr lang="en-GB" b="0" i="1" smtClean="0">
+                        <a:latin typeface="Cambria Math" panose="02040503050406030204" pitchFamily="18" charset="0"/>
+                      </a:rPr>
+                      <m:t>𝑚</m:t>
+                    </m:r>
+                    <m:r>
+                      <a:rPr lang="el-GR" b="0" i="1" smtClean="0">
+                        <a:latin typeface="Cambria Math" panose="02040503050406030204" pitchFamily="18" charset="0"/>
+                      </a:rPr>
+                      <m:t>Ω</m:t>
+                    </m:r>
+                  </m:oMath>
+                </a14:m>
+                <a:r>
+                  <a:rPr lang="en-GB" dirty="0"/>
+                  <a:t>, </a:t>
+                </a:r>
+                <a14:m>
+                  <m:oMath xmlns:m="http://schemas.openxmlformats.org/officeDocument/2006/math">
+                    <m:r>
+                      <a:rPr lang="en-GB" b="0" i="1" smtClean="0">
+                        <a:latin typeface="Cambria Math" panose="02040503050406030204" pitchFamily="18" charset="0"/>
+                      </a:rPr>
+                      <m:t>𝑅</m:t>
+                    </m:r>
+                    <m:r>
+                      <a:rPr lang="en-GB" b="0" i="1" smtClean="0">
+                        <a:latin typeface="Cambria Math" panose="02040503050406030204" pitchFamily="18" charset="0"/>
+                      </a:rPr>
+                      <m:t>=47.09Ω</m:t>
+                    </m:r>
+                  </m:oMath>
+                </a14:m>
+                <a:endParaRPr lang="en-GB" dirty="0"/>
+              </a:p>
+              <a:p>
+                <a:r>
+                  <a:rPr lang="en-GB" dirty="0"/>
+                  <a:t>When </a:t>
+                </a:r>
+                <a14:m>
+                  <m:oMath xmlns:m="http://schemas.openxmlformats.org/officeDocument/2006/math">
+                    <m:r>
+                      <a:rPr lang="en-GB" b="0" i="1" smtClean="0">
+                        <a:latin typeface="Cambria Math" panose="02040503050406030204" pitchFamily="18" charset="0"/>
+                      </a:rPr>
+                      <m:t>𝐼</m:t>
+                    </m:r>
+                    <m:r>
+                      <a:rPr lang="en-GB" b="0" i="1" smtClean="0">
+                        <a:latin typeface="Cambria Math" panose="02040503050406030204" pitchFamily="18" charset="0"/>
+                      </a:rPr>
+                      <m:t>=0.999</m:t>
+                    </m:r>
+                    <m:r>
+                      <a:rPr lang="en-GB" b="0" i="1" smtClean="0">
+                        <a:latin typeface="Cambria Math" panose="02040503050406030204" pitchFamily="18" charset="0"/>
+                      </a:rPr>
+                      <m:t>𝐴</m:t>
+                    </m:r>
+                  </m:oMath>
+                </a14:m>
+                <a:r>
+                  <a:rPr lang="en-GB" dirty="0"/>
+                  <a:t>, </a:t>
+                </a:r>
+                <a14:m>
+                  <m:oMath xmlns:m="http://schemas.openxmlformats.org/officeDocument/2006/math">
+                    <m:r>
+                      <a:rPr lang="en-GB" b="0" i="1" smtClean="0">
+                        <a:latin typeface="Cambria Math" panose="02040503050406030204" pitchFamily="18" charset="0"/>
+                      </a:rPr>
+                      <m:t>𝑉</m:t>
+                    </m:r>
+                    <m:r>
+                      <a:rPr lang="en-GB" b="0" i="1" smtClean="0">
+                        <a:latin typeface="Cambria Math" panose="02040503050406030204" pitchFamily="18" charset="0"/>
+                      </a:rPr>
+                      <m:t>=47.36</m:t>
+                    </m:r>
+                    <m:r>
+                      <a:rPr lang="en-GB" b="0" i="1" smtClean="0">
+                        <a:latin typeface="Cambria Math" panose="02040503050406030204" pitchFamily="18" charset="0"/>
+                      </a:rPr>
+                      <m:t>𝑉</m:t>
+                    </m:r>
+                  </m:oMath>
+                </a14:m>
+                <a:endParaRPr lang="en-GB" dirty="0"/>
+              </a:p>
+              <a:p>
+                <a:r>
+                  <a:rPr lang="en-GB" dirty="0"/>
+                  <a:t>Thus </a:t>
+                </a:r>
+                <a14:m>
+                  <m:oMath xmlns:m="http://schemas.openxmlformats.org/officeDocument/2006/math">
+                    <m:sSub>
+                      <m:sSubPr>
+                        <m:ctrlPr>
+                          <a:rPr lang="en-GB" b="0" i="1" smtClean="0">
+                            <a:latin typeface="Cambria Math" panose="02040503050406030204" pitchFamily="18" charset="0"/>
+                          </a:rPr>
+                        </m:ctrlPr>
+                      </m:sSubPr>
+                      <m:e>
+                        <m:r>
+                          <a:rPr lang="en-GB" b="0" i="1" smtClean="0">
+                            <a:latin typeface="Cambria Math" panose="02040503050406030204" pitchFamily="18" charset="0"/>
+                          </a:rPr>
+                          <m:t>𝑉</m:t>
+                        </m:r>
+                      </m:e>
+                      <m:sub>
+                        <m:r>
+                          <a:rPr lang="en-GB" b="0" i="1" smtClean="0">
+                            <a:latin typeface="Cambria Math" panose="02040503050406030204" pitchFamily="18" charset="0"/>
+                          </a:rPr>
+                          <m:t>𝑓</m:t>
+                        </m:r>
+                      </m:sub>
+                    </m:sSub>
+                    <m:r>
+                      <a:rPr lang="en-GB" b="0" i="1" smtClean="0">
+                        <a:latin typeface="Cambria Math" panose="02040503050406030204" pitchFamily="18" charset="0"/>
+                      </a:rPr>
+                      <m:t>=</m:t>
+                    </m:r>
+                    <m:r>
+                      <a:rPr lang="en-GB" b="0" i="1" smtClean="0">
+                        <a:latin typeface="Cambria Math" panose="02040503050406030204" pitchFamily="18" charset="0"/>
+                      </a:rPr>
+                      <m:t>𝑉</m:t>
+                    </m:r>
+                    <m:r>
+                      <a:rPr lang="en-GB" b="0" i="1" smtClean="0">
+                        <a:latin typeface="Cambria Math" panose="02040503050406030204" pitchFamily="18" charset="0"/>
+                      </a:rPr>
+                      <m:t>−</m:t>
+                    </m:r>
+                    <m:r>
+                      <a:rPr lang="en-GB" b="0" i="1" smtClean="0">
+                        <a:latin typeface="Cambria Math" panose="02040503050406030204" pitchFamily="18" charset="0"/>
+                      </a:rPr>
+                      <m:t>𝐼𝑅</m:t>
+                    </m:r>
+                    <m:r>
+                      <a:rPr lang="en-GB" b="0" i="1" smtClean="0">
+                        <a:latin typeface="Cambria Math" panose="02040503050406030204" pitchFamily="18" charset="0"/>
+                      </a:rPr>
+                      <m:t>=270</m:t>
+                    </m:r>
+                    <m:r>
+                      <a:rPr lang="en-GB" b="0" i="1" smtClean="0">
+                        <a:latin typeface="Cambria Math" panose="02040503050406030204" pitchFamily="18" charset="0"/>
+                      </a:rPr>
+                      <m:t>𝑚𝑉</m:t>
+                    </m:r>
+                    <m:r>
+                      <a:rPr lang="en-GB" b="0" i="1" smtClean="0">
+                        <a:latin typeface="Cambria Math" panose="02040503050406030204" pitchFamily="18" charset="0"/>
+                      </a:rPr>
+                      <m:t> </m:t>
+                    </m:r>
+                  </m:oMath>
+                </a14:m>
+                <a:endParaRPr lang="en-GB" dirty="0"/>
+              </a:p>
+              <a:p>
+                <a:r>
+                  <a:rPr lang="en-GB" dirty="0"/>
+                  <a:t>It’s quite far from the published values (450mV). I am not sure about the cause of the issue.</a:t>
+                </a:r>
+              </a:p>
+            </p:txBody>
+          </p:sp>
+        </mc:Choice>
+        <mc:Fallback>
+          <p:sp>
+            <p:nvSpPr>
+              <p:cNvPr id="3" name="Content Placeholder 2">
+                <a:extLst>
+                  <a:ext uri="{FF2B5EF4-FFF2-40B4-BE49-F238E27FC236}">
+                    <a16:creationId xmlns:a16="http://schemas.microsoft.com/office/drawing/2014/main" id="{0809A64F-D8A6-1D40-5183-0C7F9478F06F}"/>
+                  </a:ext>
+                </a:extLst>
+              </p:cNvPr>
+              <p:cNvSpPr>
+                <a:spLocks noGrp="1" noRot="1" noChangeAspect="1" noMove="1" noResize="1" noEditPoints="1" noAdjustHandles="1" noChangeArrowheads="1" noChangeShapeType="1" noTextEdit="1"/>
+              </p:cNvSpPr>
+              <p:nvPr>
+                <p:ph idx="1"/>
+              </p:nvPr>
+            </p:nvSpPr>
+            <p:spPr>
+              <a:blipFill>
+                <a:blip r:embed="rId2"/>
+                <a:stretch>
+                  <a:fillRect l="-1043" t="-280"/>
+                </a:stretch>
+              </a:blipFill>
+            </p:spPr>
+            <p:txBody>
+              <a:bodyPr/>
+              <a:lstStyle/>
+              <a:p>
+                <a:r>
+                  <a:rPr lang="en-GB">
+                    <a:noFill/>
+                  </a:rPr>
+                  <a:t> </a:t>
+                </a:r>
+              </a:p>
+            </p:txBody>
+          </p:sp>
+        </mc:Fallback>
+      </mc:AlternateContent>
+    </p:spTree>
+    <p:extLst>
+      <p:ext uri="{BB962C8B-B14F-4D97-AF65-F5344CB8AC3E}">
+        <p14:creationId xmlns:p14="http://schemas.microsoft.com/office/powerpoint/2010/main" val="3349272149"/>
       </p:ext>
     </p:extLst>
   </p:cSld>

--- a/Exercise 4/E4.pptx
+++ b/Exercise 4/E4.pptx
@@ -264,7 +264,7 @@
           <a:p>
             <a:fld id="{E17F7779-9C11-46A1-9C91-FCD18852C054}" type="datetimeFigureOut">
               <a:rPr lang="en-GB" smtClean="0"/>
-              <a:t>30/12/2023</a:t>
+              <a:t>01/01/2024</a:t>
             </a:fld>
             <a:endParaRPr lang="en-GB"/>
           </a:p>
@@ -462,7 +462,7 @@
           <a:p>
             <a:fld id="{E17F7779-9C11-46A1-9C91-FCD18852C054}" type="datetimeFigureOut">
               <a:rPr lang="en-GB" smtClean="0"/>
-              <a:t>30/12/2023</a:t>
+              <a:t>01/01/2024</a:t>
             </a:fld>
             <a:endParaRPr lang="en-GB"/>
           </a:p>
@@ -670,7 +670,7 @@
           <a:p>
             <a:fld id="{E17F7779-9C11-46A1-9C91-FCD18852C054}" type="datetimeFigureOut">
               <a:rPr lang="en-GB" smtClean="0"/>
-              <a:t>30/12/2023</a:t>
+              <a:t>01/01/2024</a:t>
             </a:fld>
             <a:endParaRPr lang="en-GB"/>
           </a:p>
@@ -868,7 +868,7 @@
           <a:p>
             <a:fld id="{E17F7779-9C11-46A1-9C91-FCD18852C054}" type="datetimeFigureOut">
               <a:rPr lang="en-GB" smtClean="0"/>
-              <a:t>30/12/2023</a:t>
+              <a:t>01/01/2024</a:t>
             </a:fld>
             <a:endParaRPr lang="en-GB"/>
           </a:p>
@@ -1143,7 +1143,7 @@
           <a:p>
             <a:fld id="{E17F7779-9C11-46A1-9C91-FCD18852C054}" type="datetimeFigureOut">
               <a:rPr lang="en-GB" smtClean="0"/>
-              <a:t>30/12/2023</a:t>
+              <a:t>01/01/2024</a:t>
             </a:fld>
             <a:endParaRPr lang="en-GB"/>
           </a:p>
@@ -1408,7 +1408,7 @@
           <a:p>
             <a:fld id="{E17F7779-9C11-46A1-9C91-FCD18852C054}" type="datetimeFigureOut">
               <a:rPr lang="en-GB" smtClean="0"/>
-              <a:t>30/12/2023</a:t>
+              <a:t>01/01/2024</a:t>
             </a:fld>
             <a:endParaRPr lang="en-GB"/>
           </a:p>
@@ -1820,7 +1820,7 @@
           <a:p>
             <a:fld id="{E17F7779-9C11-46A1-9C91-FCD18852C054}" type="datetimeFigureOut">
               <a:rPr lang="en-GB" smtClean="0"/>
-              <a:t>30/12/2023</a:t>
+              <a:t>01/01/2024</a:t>
             </a:fld>
             <a:endParaRPr lang="en-GB"/>
           </a:p>
@@ -1961,7 +1961,7 @@
           <a:p>
             <a:fld id="{E17F7779-9C11-46A1-9C91-FCD18852C054}" type="datetimeFigureOut">
               <a:rPr lang="en-GB" smtClean="0"/>
-              <a:t>30/12/2023</a:t>
+              <a:t>01/01/2024</a:t>
             </a:fld>
             <a:endParaRPr lang="en-GB"/>
           </a:p>
@@ -2074,7 +2074,7 @@
           <a:p>
             <a:fld id="{E17F7779-9C11-46A1-9C91-FCD18852C054}" type="datetimeFigureOut">
               <a:rPr lang="en-GB" smtClean="0"/>
-              <a:t>30/12/2023</a:t>
+              <a:t>01/01/2024</a:t>
             </a:fld>
             <a:endParaRPr lang="en-GB"/>
           </a:p>
@@ -2385,7 +2385,7 @@
           <a:p>
             <a:fld id="{E17F7779-9C11-46A1-9C91-FCD18852C054}" type="datetimeFigureOut">
               <a:rPr lang="en-GB" smtClean="0"/>
-              <a:t>30/12/2023</a:t>
+              <a:t>01/01/2024</a:t>
             </a:fld>
             <a:endParaRPr lang="en-GB"/>
           </a:p>
@@ -2673,7 +2673,7 @@
           <a:p>
             <a:fld id="{E17F7779-9C11-46A1-9C91-FCD18852C054}" type="datetimeFigureOut">
               <a:rPr lang="en-GB" smtClean="0"/>
-              <a:t>30/12/2023</a:t>
+              <a:t>01/01/2024</a:t>
             </a:fld>
             <a:endParaRPr lang="en-GB"/>
           </a:p>
@@ -2914,7 +2914,7 @@
           <a:p>
             <a:fld id="{E17F7779-9C11-46A1-9C91-FCD18852C054}" type="datetimeFigureOut">
               <a:rPr lang="en-GB" smtClean="0"/>
-              <a:t>30/12/2023</a:t>
+              <a:t>01/01/2024</a:t>
             </a:fld>
             <a:endParaRPr lang="en-GB"/>
           </a:p>
@@ -3317,6 +3317,14 @@
 <file path=ppt/slides/slide1.xml><?xml version="1.0" encoding="utf-8"?>
 <p:sld xmlns:a="http://schemas.openxmlformats.org/drawingml/2006/main" xmlns:r="http://schemas.openxmlformats.org/officeDocument/2006/relationships" xmlns:p="http://schemas.openxmlformats.org/presentationml/2006/main">
   <p:cSld>
+    <p:bg>
+      <p:bgPr>
+        <a:solidFill>
+          <a:schemeClr val="tx1"/>
+        </a:solidFill>
+        <a:effectLst/>
+      </p:bgPr>
+    </p:bg>
     <p:spTree>
       <p:nvGrpSpPr>
         <p:cNvPr id="1" name=""/>
@@ -3353,7 +3361,11 @@
           <a:lstStyle/>
           <a:p>
             <a:r>
-              <a:rPr lang="en-GB" dirty="0"/>
+              <a:rPr lang="en-GB" dirty="0">
+                <a:solidFill>
+                  <a:schemeClr val="bg1"/>
+                </a:solidFill>
+              </a:rPr>
               <a:t>Exercise E4</a:t>
             </a:r>
           </a:p>
@@ -3388,7 +3400,11 @@
           <a:lstStyle/>
           <a:p>
             <a:r>
-              <a:rPr lang="en-GB" sz="2800" dirty="0"/>
+              <a:rPr lang="en-GB" sz="2800" dirty="0">
+                <a:solidFill>
+                  <a:schemeClr val="bg1"/>
+                </a:solidFill>
+              </a:rPr>
               <a:t>For the 1N5817, the main difference lies in that it seems to have a way smaller forward voltage than 1N914.</a:t>
             </a:r>
           </a:p>
@@ -3446,6 +3462,14 @@
 <file path=ppt/slides/slide2.xml><?xml version="1.0" encoding="utf-8"?>
 <p:sld xmlns:a="http://schemas.openxmlformats.org/drawingml/2006/main" xmlns:r="http://schemas.openxmlformats.org/officeDocument/2006/relationships" xmlns:p="http://schemas.openxmlformats.org/presentationml/2006/main">
   <p:cSld>
+    <p:bg>
+      <p:bgPr>
+        <a:solidFill>
+          <a:schemeClr val="tx1"/>
+        </a:solidFill>
+        <a:effectLst/>
+      </p:bgPr>
+    </p:bg>
     <p:spTree>
       <p:nvGrpSpPr>
         <p:cNvPr id="1" name=""/>
@@ -3482,7 +3506,11 @@
           <a:lstStyle/>
           <a:p>
             <a:r>
-              <a:rPr lang="en-GB" dirty="0"/>
+              <a:rPr lang="en-GB" dirty="0">
+                <a:solidFill>
+                  <a:schemeClr val="bg1"/>
+                </a:solidFill>
+              </a:rPr>
               <a:t>Exercise E4</a:t>
             </a:r>
           </a:p>
@@ -3534,6 +3562,14 @@
 <file path=ppt/slides/slide3.xml><?xml version="1.0" encoding="utf-8"?>
 <p:sld xmlns:a="http://schemas.openxmlformats.org/drawingml/2006/main" xmlns:r="http://schemas.openxmlformats.org/officeDocument/2006/relationships" xmlns:p="http://schemas.openxmlformats.org/presentationml/2006/main">
   <p:cSld>
+    <p:bg>
+      <p:bgPr>
+        <a:solidFill>
+          <a:schemeClr val="tx1"/>
+        </a:solidFill>
+        <a:effectLst/>
+      </p:bgPr>
+    </p:bg>
     <p:spTree>
       <p:nvGrpSpPr>
         <p:cNvPr id="1" name=""/>
@@ -3570,7 +3606,11 @@
           <a:lstStyle/>
           <a:p>
             <a:r>
-              <a:rPr lang="en-GB" dirty="0"/>
+              <a:rPr lang="en-GB" dirty="0">
+                <a:solidFill>
+                  <a:schemeClr val="bg1"/>
+                </a:solidFill>
+              </a:rPr>
               <a:t>Exercise E4</a:t>
             </a:r>
           </a:p>
@@ -3599,24 +3639,49 @@
           <a:p>
             <a:r>
               <a:rPr lang="en-GB" dirty="0">
-                <a:hlinkClick r:id="rId2"/>
+                <a:solidFill>
+                  <a:schemeClr val="bg1"/>
+                </a:solidFill>
+                <a:hlinkClick r:id="rId2">
+                  <a:extLst>
+                    <a:ext uri="{A12FA001-AC4F-418D-AE19-62706E023703}">
+                      <ahyp:hlinkClr xmlns:ahyp="http://schemas.microsoft.com/office/drawing/2018/hyperlinkcolor" val="tx"/>
+                    </a:ext>
+                  </a:extLst>
+                </a:hlinkClick>
               </a:rPr>
               <a:t>https://www.diodes.com/assets/Datasheets/1N5817-1N5819.pdf</a:t>
             </a:r>
-            <a:endParaRPr lang="en-GB" dirty="0"/>
-          </a:p>
-          <a:p>
-            <a:endParaRPr lang="en-GB" dirty="0"/>
-          </a:p>
-          <a:p>
-            <a:r>
-              <a:rPr lang="en-GB" dirty="0"/>
+            <a:endParaRPr lang="en-GB" dirty="0">
+              <a:solidFill>
+                <a:schemeClr val="bg1"/>
+              </a:solidFill>
+            </a:endParaRPr>
+          </a:p>
+          <a:p>
+            <a:endParaRPr lang="en-GB" dirty="0">
+              <a:solidFill>
+                <a:schemeClr val="bg1"/>
+              </a:solidFill>
+            </a:endParaRPr>
+          </a:p>
+          <a:p>
+            <a:r>
+              <a:rPr lang="en-GB" dirty="0">
+                <a:solidFill>
+                  <a:schemeClr val="bg1"/>
+                </a:solidFill>
+              </a:rPr>
               <a:t>At 5V, with around 10mA max current, we cannot reproduce the results listed in the specification. However, given that the forward voltage seems to rise with the current, and that it’s 0.450V at I=1.0A, our prediction that the forward voltage is very small is correct.</a:t>
             </a:r>
           </a:p>
           <a:p>
             <a:r>
-              <a:rPr lang="en-GB" dirty="0"/>
+              <a:rPr lang="en-GB" dirty="0">
+                <a:solidFill>
+                  <a:schemeClr val="bg1"/>
+                </a:solidFill>
+              </a:rPr>
               <a:t>However if the model is changed to having a 0-50V voltage swipe and a 47 Ohms resistor, we can indeed reach I=1.0A.</a:t>
             </a:r>
           </a:p>
@@ -3668,6 +3733,14 @@
 <file path=ppt/slides/slide4.xml><?xml version="1.0" encoding="utf-8"?>
 <p:sld xmlns:a="http://schemas.openxmlformats.org/drawingml/2006/main" xmlns:r="http://schemas.openxmlformats.org/officeDocument/2006/relationships" xmlns:p="http://schemas.openxmlformats.org/presentationml/2006/main">
   <p:cSld>
+    <p:bg>
+      <p:bgPr>
+        <a:solidFill>
+          <a:schemeClr val="tx1"/>
+        </a:solidFill>
+        <a:effectLst/>
+      </p:bgPr>
+    </p:bg>
     <p:spTree>
       <p:nvGrpSpPr>
         <p:cNvPr id="1" name=""/>
@@ -3704,7 +3777,11 @@
           <a:lstStyle/>
           <a:p>
             <a:r>
-              <a:rPr lang="en-GB" dirty="0"/>
+              <a:rPr lang="en-GB" dirty="0">
+                <a:solidFill>
+                  <a:schemeClr val="bg1"/>
+                </a:solidFill>
+              </a:rPr>
               <a:t>Exercise E4</a:t>
             </a:r>
           </a:p>
@@ -3761,6 +3838,14 @@
 <file path=ppt/slides/slide5.xml><?xml version="1.0" encoding="utf-8"?>
 <p:sld xmlns:a="http://schemas.openxmlformats.org/drawingml/2006/main" xmlns:r="http://schemas.openxmlformats.org/officeDocument/2006/relationships" xmlns:p="http://schemas.openxmlformats.org/presentationml/2006/main">
   <p:cSld>
+    <p:bg>
+      <p:bgPr>
+        <a:solidFill>
+          <a:schemeClr val="tx1"/>
+        </a:solidFill>
+        <a:effectLst/>
+      </p:bgPr>
+    </p:bg>
     <p:spTree>
       <p:nvGrpSpPr>
         <p:cNvPr id="1" name=""/>
@@ -3797,7 +3882,11 @@
           <a:lstStyle/>
           <a:p>
             <a:r>
-              <a:rPr lang="en-GB" dirty="0"/>
+              <a:rPr lang="en-GB" dirty="0">
+                <a:solidFill>
+                  <a:schemeClr val="bg1"/>
+                </a:solidFill>
+              </a:rPr>
               <a:t>Exercise E4</a:t>
             </a:r>
           </a:p>
@@ -3854,6 +3943,14 @@
 <file path=ppt/slides/slide6.xml><?xml version="1.0" encoding="utf-8"?>
 <p:sld xmlns:a="http://schemas.openxmlformats.org/drawingml/2006/main" xmlns:r="http://schemas.openxmlformats.org/officeDocument/2006/relationships" xmlns:p="http://schemas.openxmlformats.org/presentationml/2006/main">
   <p:cSld>
+    <p:bg>
+      <p:bgPr>
+        <a:solidFill>
+          <a:schemeClr val="tx1"/>
+        </a:solidFill>
+        <a:effectLst/>
+      </p:bgPr>
+    </p:bg>
     <p:spTree>
       <p:nvGrpSpPr>
         <p:cNvPr id="1" name=""/>
@@ -3890,7 +3987,11 @@
           <a:lstStyle/>
           <a:p>
             <a:r>
-              <a:rPr lang="en-GB"/>
+              <a:rPr lang="en-GB" dirty="0">
+                <a:solidFill>
+                  <a:schemeClr val="bg1"/>
+                </a:solidFill>
+              </a:rPr>
               <a:t>Exercise E4</a:t>
             </a:r>
           </a:p>
@@ -3925,6 +4026,9 @@
                       <m:fPr>
                         <m:ctrlPr>
                           <a:rPr lang="en-GB" b="0" i="1" smtClean="0">
+                            <a:solidFill>
+                              <a:schemeClr val="bg1"/>
+                            </a:solidFill>
                             <a:latin typeface="Cambria Math" panose="02040503050406030204" pitchFamily="18" charset="0"/>
                           </a:rPr>
                         </m:ctrlPr>
@@ -3932,6 +4036,9 @@
                       <m:num>
                         <m:r>
                           <a:rPr lang="en-GB" b="0" i="1" smtClean="0">
+                            <a:solidFill>
+                              <a:schemeClr val="bg1"/>
+                            </a:solidFill>
                             <a:latin typeface="Cambria Math" panose="02040503050406030204" pitchFamily="18" charset="0"/>
                           </a:rPr>
                           <m:t>1</m:t>
@@ -3940,6 +4047,9 @@
                       <m:den>
                         <m:r>
                           <a:rPr lang="en-GB" b="0" i="1" smtClean="0">
+                            <a:solidFill>
+                              <a:schemeClr val="bg1"/>
+                            </a:solidFill>
                             <a:latin typeface="Cambria Math" panose="02040503050406030204" pitchFamily="18" charset="0"/>
                           </a:rPr>
                           <m:t>𝑅</m:t>
@@ -3948,18 +4058,27 @@
                     </m:f>
                     <m:r>
                       <a:rPr lang="en-GB" b="0" i="1" smtClean="0">
+                        <a:solidFill>
+                          <a:schemeClr val="bg1"/>
+                        </a:solidFill>
                         <a:latin typeface="Cambria Math" panose="02040503050406030204" pitchFamily="18" charset="0"/>
                       </a:rPr>
                       <m:t>=21.237</m:t>
                     </m:r>
                     <m:r>
                       <a:rPr lang="en-GB" b="0" i="1" smtClean="0">
+                        <a:solidFill>
+                          <a:schemeClr val="bg1"/>
+                        </a:solidFill>
                         <a:latin typeface="Cambria Math" panose="02040503050406030204" pitchFamily="18" charset="0"/>
                       </a:rPr>
                       <m:t>𝑚</m:t>
                     </m:r>
                     <m:r>
                       <a:rPr lang="el-GR" b="0" i="1" smtClean="0">
+                        <a:solidFill>
+                          <a:schemeClr val="bg1"/>
+                        </a:solidFill>
                         <a:latin typeface="Cambria Math" panose="02040503050406030204" pitchFamily="18" charset="0"/>
                       </a:rPr>
                       <m:t>Ω</m:t>
@@ -3967,48 +4086,75 @@
                   </m:oMath>
                 </a14:m>
                 <a:r>
-                  <a:rPr lang="en-GB" dirty="0"/>
+                  <a:rPr lang="en-GB" dirty="0">
+                    <a:solidFill>
+                      <a:schemeClr val="bg1"/>
+                    </a:solidFill>
+                  </a:rPr>
                   <a:t>, </a:t>
                 </a:r>
                 <a14:m>
                   <m:oMath xmlns:m="http://schemas.openxmlformats.org/officeDocument/2006/math">
                     <m:r>
                       <a:rPr lang="en-GB" b="0" i="1" smtClean="0">
+                        <a:solidFill>
+                          <a:schemeClr val="bg1"/>
+                        </a:solidFill>
                         <a:latin typeface="Cambria Math" panose="02040503050406030204" pitchFamily="18" charset="0"/>
                       </a:rPr>
                       <m:t>𝑅</m:t>
                     </m:r>
                     <m:r>
                       <a:rPr lang="en-GB" b="0" i="1" smtClean="0">
+                        <a:solidFill>
+                          <a:schemeClr val="bg1"/>
+                        </a:solidFill>
                         <a:latin typeface="Cambria Math" panose="02040503050406030204" pitchFamily="18" charset="0"/>
                       </a:rPr>
                       <m:t>=47.09Ω</m:t>
                     </m:r>
                   </m:oMath>
                 </a14:m>
-                <a:endParaRPr lang="en-GB" dirty="0"/>
+                <a:endParaRPr lang="en-GB" dirty="0">
+                  <a:solidFill>
+                    <a:schemeClr val="bg1"/>
+                  </a:solidFill>
+                </a:endParaRPr>
               </a:p>
               <a:p>
                 <a:r>
-                  <a:rPr lang="en-GB" dirty="0"/>
+                  <a:rPr lang="en-GB" dirty="0">
+                    <a:solidFill>
+                      <a:schemeClr val="bg1"/>
+                    </a:solidFill>
+                  </a:rPr>
                   <a:t>When </a:t>
                 </a:r>
                 <a14:m>
                   <m:oMath xmlns:m="http://schemas.openxmlformats.org/officeDocument/2006/math">
                     <m:r>
                       <a:rPr lang="en-GB" b="0" i="1" smtClean="0">
+                        <a:solidFill>
+                          <a:schemeClr val="bg1"/>
+                        </a:solidFill>
                         <a:latin typeface="Cambria Math" panose="02040503050406030204" pitchFamily="18" charset="0"/>
                       </a:rPr>
                       <m:t>𝐼</m:t>
                     </m:r>
                     <m:r>
                       <a:rPr lang="en-GB" b="0" i="1" smtClean="0">
+                        <a:solidFill>
+                          <a:schemeClr val="bg1"/>
+                        </a:solidFill>
                         <a:latin typeface="Cambria Math" panose="02040503050406030204" pitchFamily="18" charset="0"/>
                       </a:rPr>
                       <m:t>=0.999</m:t>
                     </m:r>
                     <m:r>
                       <a:rPr lang="en-GB" b="0" i="1" smtClean="0">
+                        <a:solidFill>
+                          <a:schemeClr val="bg1"/>
+                        </a:solidFill>
                         <a:latin typeface="Cambria Math" panose="02040503050406030204" pitchFamily="18" charset="0"/>
                       </a:rPr>
                       <m:t>𝐴</m:t>
@@ -4016,36 +4162,57 @@
                   </m:oMath>
                 </a14:m>
                 <a:r>
-                  <a:rPr lang="en-GB" dirty="0"/>
+                  <a:rPr lang="en-GB" dirty="0">
+                    <a:solidFill>
+                      <a:schemeClr val="bg1"/>
+                    </a:solidFill>
+                  </a:rPr>
                   <a:t>, </a:t>
                 </a:r>
                 <a14:m>
                   <m:oMath xmlns:m="http://schemas.openxmlformats.org/officeDocument/2006/math">
                     <m:r>
                       <a:rPr lang="en-GB" b="0" i="1" smtClean="0">
+                        <a:solidFill>
+                          <a:schemeClr val="bg1"/>
+                        </a:solidFill>
                         <a:latin typeface="Cambria Math" panose="02040503050406030204" pitchFamily="18" charset="0"/>
                       </a:rPr>
                       <m:t>𝑉</m:t>
                     </m:r>
                     <m:r>
                       <a:rPr lang="en-GB" b="0" i="1" smtClean="0">
+                        <a:solidFill>
+                          <a:schemeClr val="bg1"/>
+                        </a:solidFill>
                         <a:latin typeface="Cambria Math" panose="02040503050406030204" pitchFamily="18" charset="0"/>
                       </a:rPr>
                       <m:t>=47.36</m:t>
                     </m:r>
                     <m:r>
                       <a:rPr lang="en-GB" b="0" i="1" smtClean="0">
+                        <a:solidFill>
+                          <a:schemeClr val="bg1"/>
+                        </a:solidFill>
                         <a:latin typeface="Cambria Math" panose="02040503050406030204" pitchFamily="18" charset="0"/>
                       </a:rPr>
                       <m:t>𝑉</m:t>
                     </m:r>
                   </m:oMath>
                 </a14:m>
-                <a:endParaRPr lang="en-GB" dirty="0"/>
+                <a:endParaRPr lang="en-GB" dirty="0">
+                  <a:solidFill>
+                    <a:schemeClr val="bg1"/>
+                  </a:solidFill>
+                </a:endParaRPr>
               </a:p>
               <a:p>
                 <a:r>
-                  <a:rPr lang="en-GB" dirty="0"/>
+                  <a:rPr lang="en-GB" dirty="0">
+                    <a:solidFill>
+                      <a:schemeClr val="bg1"/>
+                    </a:solidFill>
+                  </a:rPr>
                   <a:t>Thus </a:t>
                 </a:r>
                 <a14:m>
@@ -4054,6 +4221,9 @@
                       <m:sSubPr>
                         <m:ctrlPr>
                           <a:rPr lang="en-GB" b="0" i="1" smtClean="0">
+                            <a:solidFill>
+                              <a:schemeClr val="bg1"/>
+                            </a:solidFill>
                             <a:latin typeface="Cambria Math" panose="02040503050406030204" pitchFamily="18" charset="0"/>
                           </a:rPr>
                         </m:ctrlPr>
@@ -4061,6 +4231,9 @@
                       <m:e>
                         <m:r>
                           <a:rPr lang="en-GB" b="0" i="1" smtClean="0">
+                            <a:solidFill>
+                              <a:schemeClr val="bg1"/>
+                            </a:solidFill>
                             <a:latin typeface="Cambria Math" panose="02040503050406030204" pitchFamily="18" charset="0"/>
                           </a:rPr>
                           <m:t>𝑉</m:t>
@@ -4069,6 +4242,9 @@
                       <m:sub>
                         <m:r>
                           <a:rPr lang="en-GB" b="0" i="1" smtClean="0">
+                            <a:solidFill>
+                              <a:schemeClr val="bg1"/>
+                            </a:solidFill>
                             <a:latin typeface="Cambria Math" panose="02040503050406030204" pitchFamily="18" charset="0"/>
                           </a:rPr>
                           <m:t>𝑓</m:t>
@@ -4077,53 +4253,82 @@
                     </m:sSub>
                     <m:r>
                       <a:rPr lang="en-GB" b="0" i="1" smtClean="0">
+                        <a:solidFill>
+                          <a:schemeClr val="bg1"/>
+                        </a:solidFill>
                         <a:latin typeface="Cambria Math" panose="02040503050406030204" pitchFamily="18" charset="0"/>
                       </a:rPr>
                       <m:t>=</m:t>
                     </m:r>
                     <m:r>
                       <a:rPr lang="en-GB" b="0" i="1" smtClean="0">
+                        <a:solidFill>
+                          <a:schemeClr val="bg1"/>
+                        </a:solidFill>
                         <a:latin typeface="Cambria Math" panose="02040503050406030204" pitchFamily="18" charset="0"/>
                       </a:rPr>
                       <m:t>𝑉</m:t>
                     </m:r>
                     <m:r>
                       <a:rPr lang="en-GB" b="0" i="1" smtClean="0">
+                        <a:solidFill>
+                          <a:schemeClr val="bg1"/>
+                        </a:solidFill>
                         <a:latin typeface="Cambria Math" panose="02040503050406030204" pitchFamily="18" charset="0"/>
                       </a:rPr>
                       <m:t>−</m:t>
                     </m:r>
                     <m:r>
                       <a:rPr lang="en-GB" b="0" i="1" smtClean="0">
+                        <a:solidFill>
+                          <a:schemeClr val="bg1"/>
+                        </a:solidFill>
                         <a:latin typeface="Cambria Math" panose="02040503050406030204" pitchFamily="18" charset="0"/>
                       </a:rPr>
                       <m:t>𝐼𝑅</m:t>
                     </m:r>
                     <m:r>
                       <a:rPr lang="en-GB" b="0" i="1" smtClean="0">
+                        <a:solidFill>
+                          <a:schemeClr val="bg1"/>
+                        </a:solidFill>
                         <a:latin typeface="Cambria Math" panose="02040503050406030204" pitchFamily="18" charset="0"/>
                       </a:rPr>
                       <m:t>=270</m:t>
                     </m:r>
                     <m:r>
                       <a:rPr lang="en-GB" b="0" i="1" smtClean="0">
+                        <a:solidFill>
+                          <a:schemeClr val="bg1"/>
+                        </a:solidFill>
                         <a:latin typeface="Cambria Math" panose="02040503050406030204" pitchFamily="18" charset="0"/>
                       </a:rPr>
                       <m:t>𝑚𝑉</m:t>
                     </m:r>
                     <m:r>
                       <a:rPr lang="en-GB" b="0" i="1" smtClean="0">
+                        <a:solidFill>
+                          <a:schemeClr val="bg1"/>
+                        </a:solidFill>
                         <a:latin typeface="Cambria Math" panose="02040503050406030204" pitchFamily="18" charset="0"/>
                       </a:rPr>
                       <m:t> </m:t>
                     </m:r>
                   </m:oMath>
                 </a14:m>
-                <a:endParaRPr lang="en-GB" dirty="0"/>
+                <a:endParaRPr lang="en-GB" dirty="0">
+                  <a:solidFill>
+                    <a:schemeClr val="bg1"/>
+                  </a:solidFill>
+                </a:endParaRPr>
               </a:p>
               <a:p>
                 <a:r>
-                  <a:rPr lang="en-GB" dirty="0"/>
+                  <a:rPr lang="en-GB" dirty="0">
+                    <a:solidFill>
+                      <a:schemeClr val="bg1"/>
+                    </a:solidFill>
+                  </a:rPr>
                   <a:t>It’s quite far from the published values (450mV). I am not sure about the cause of the issue.</a:t>
                 </a:r>
               </a:p>
